--- a/Intro-Lab2.pptx
+++ b/Intro-Lab2.pptx
@@ -5,7 +5,7 @@
     <p:sldMasterId id="2147483676" r:id="rId1"/>
   </p:sldMasterIdLst>
   <p:notesMasterIdLst>
-    <p:notesMasterId r:id="rId15"/>
+    <p:notesMasterId r:id="rId17"/>
   </p:notesMasterIdLst>
   <p:sldIdLst>
     <p:sldId id="329" r:id="rId2"/>
@@ -19,8 +19,10 @@
     <p:sldId id="346" r:id="rId10"/>
     <p:sldId id="342" r:id="rId11"/>
     <p:sldId id="338" r:id="rId12"/>
-    <p:sldId id="336" r:id="rId13"/>
-    <p:sldId id="337" r:id="rId14"/>
+    <p:sldId id="347" r:id="rId13"/>
+    <p:sldId id="348" r:id="rId14"/>
+    <p:sldId id="336" r:id="rId15"/>
+    <p:sldId id="337" r:id="rId16"/>
   </p:sldIdLst>
   <p:sldSz cx="9144000" cy="5143500" type="screen16x9"/>
   <p:notesSz cx="6858000" cy="9144000"/>
@@ -221,7 +223,7 @@
             <a:fld id="{C36A9B3F-67CA-4A20-9A4E-6F99BEA604AE}" type="datetimeFigureOut">
               <a:rPr lang="en-US" smtClean="0"/>
               <a:pPr/>
-              <a:t>7/9/17</a:t>
+              <a:t>10/31/17</a:t>
             </a:fld>
             <a:endParaRPr lang="en-US" dirty="0"/>
           </a:p>
@@ -1046,7 +1048,7 @@
           <a:p>
             <a:fld id="{41EE3280-7A22-714C-AAE2-A4BDA9417266}" type="datetimeFigureOut">
               <a:rPr lang="en-US" smtClean="0"/>
-              <a:t>7/9/17</a:t>
+              <a:t>10/31/17</a:t>
             </a:fld>
             <a:endParaRPr lang="en-US"/>
           </a:p>
@@ -1440,7 +1442,7 @@
           <a:p>
             <a:fld id="{41EE3280-7A22-714C-AAE2-A4BDA9417266}" type="datetimeFigureOut">
               <a:rPr lang="en-US" smtClean="0"/>
-              <a:t>7/9/17</a:t>
+              <a:t>10/31/17</a:t>
             </a:fld>
             <a:endParaRPr lang="en-US"/>
           </a:p>
@@ -1622,7 +1624,7 @@
           <a:p>
             <a:fld id="{41EE3280-7A22-714C-AAE2-A4BDA9417266}" type="datetimeFigureOut">
               <a:rPr lang="en-US" smtClean="0"/>
-              <a:t>7/9/17</a:t>
+              <a:t>10/31/17</a:t>
             </a:fld>
             <a:endParaRPr lang="en-US"/>
           </a:p>
@@ -2064,7 +2066,7 @@
               <a:pPr>
                 <a:defRPr/>
               </a:pPr>
-              <a:t>7/9/17</a:t>
+              <a:t>10/31/17</a:t>
             </a:fld>
             <a:endParaRPr lang="en-US"/>
           </a:p>
@@ -2649,7 +2651,7 @@
           <a:p>
             <a:fld id="{41EE3280-7A22-714C-AAE2-A4BDA9417266}" type="datetimeFigureOut">
               <a:rPr lang="en-US" smtClean="0"/>
-              <a:t>7/9/17</a:t>
+              <a:t>10/31/17</a:t>
             </a:fld>
             <a:endParaRPr lang="en-US"/>
           </a:p>
@@ -2906,7 +2908,7 @@
           <a:p>
             <a:fld id="{41EE3280-7A22-714C-AAE2-A4BDA9417266}" type="datetimeFigureOut">
               <a:rPr lang="en-US" smtClean="0"/>
-              <a:t>7/9/17</a:t>
+              <a:t>10/31/17</a:t>
             </a:fld>
             <a:endParaRPr lang="en-US"/>
           </a:p>
@@ -3140,7 +3142,7 @@
           <a:p>
             <a:fld id="{41EE3280-7A22-714C-AAE2-A4BDA9417266}" type="datetimeFigureOut">
               <a:rPr lang="en-US" smtClean="0"/>
-              <a:t>7/9/17</a:t>
+              <a:t>10/31/17</a:t>
             </a:fld>
             <a:endParaRPr lang="en-US"/>
           </a:p>
@@ -3509,7 +3511,7 @@
           <a:p>
             <a:fld id="{41EE3280-7A22-714C-AAE2-A4BDA9417266}" type="datetimeFigureOut">
               <a:rPr lang="en-US" smtClean="0"/>
-              <a:t>7/9/17</a:t>
+              <a:t>10/31/17</a:t>
             </a:fld>
             <a:endParaRPr lang="en-US"/>
           </a:p>
@@ -3629,7 +3631,7 @@
           <a:p>
             <a:fld id="{41EE3280-7A22-714C-AAE2-A4BDA9417266}" type="datetimeFigureOut">
               <a:rPr lang="en-US" smtClean="0"/>
-              <a:t>7/9/17</a:t>
+              <a:t>10/31/17</a:t>
             </a:fld>
             <a:endParaRPr lang="en-US"/>
           </a:p>
@@ -3726,7 +3728,7 @@
           <a:p>
             <a:fld id="{41EE3280-7A22-714C-AAE2-A4BDA9417266}" type="datetimeFigureOut">
               <a:rPr lang="en-US" smtClean="0"/>
-              <a:t>7/9/17</a:t>
+              <a:t>10/31/17</a:t>
             </a:fld>
             <a:endParaRPr lang="en-US"/>
           </a:p>
@@ -4005,7 +4007,7 @@
           <a:p>
             <a:fld id="{41EE3280-7A22-714C-AAE2-A4BDA9417266}" type="datetimeFigureOut">
               <a:rPr lang="en-US" smtClean="0"/>
-              <a:t>7/9/17</a:t>
+              <a:t>10/31/17</a:t>
             </a:fld>
             <a:endParaRPr lang="en-US"/>
           </a:p>
@@ -4264,7 +4266,7 @@
           <a:p>
             <a:fld id="{41EE3280-7A22-714C-AAE2-A4BDA9417266}" type="datetimeFigureOut">
               <a:rPr lang="en-US" smtClean="0"/>
-              <a:t>7/9/17</a:t>
+              <a:t>10/31/17</a:t>
             </a:fld>
             <a:endParaRPr lang="en-US"/>
           </a:p>
@@ -4479,7 +4481,7 @@
           <a:p>
             <a:fld id="{41EE3280-7A22-714C-AAE2-A4BDA9417266}" type="datetimeFigureOut">
               <a:rPr lang="en-US" smtClean="0"/>
-              <a:t>7/9/17</a:t>
+              <a:t>10/31/17</a:t>
             </a:fld>
             <a:endParaRPr lang="en-US"/>
           </a:p>
@@ -5340,7 +5342,7 @@
         </p:blipFill>
         <p:spPr>
           <a:xfrm>
-            <a:off x="922866" y="517104"/>
+            <a:off x="992314" y="604713"/>
             <a:ext cx="5895377" cy="4162550"/>
           </a:xfrm>
           <a:prstGeom prst="rect">
@@ -5365,6 +5367,1258 @@
 </file>
 
 <file path=ppt/slides/slide12.xml><?xml version="1.0" encoding="utf-8"?>
+<p:sld xmlns:a="http://schemas.openxmlformats.org/drawingml/2006/main" xmlns:r="http://schemas.openxmlformats.org/officeDocument/2006/relationships" xmlns:p="http://schemas.openxmlformats.org/presentationml/2006/main">
+  <p:cSld>
+    <p:spTree>
+      <p:nvGrpSpPr>
+        <p:cNvPr id="1" name=""/>
+        <p:cNvGrpSpPr/>
+        <p:nvPr/>
+      </p:nvGrpSpPr>
+      <p:grpSpPr>
+        <a:xfrm>
+          <a:off x="0" y="0"/>
+          <a:ext cx="0" cy="0"/>
+          <a:chOff x="0" y="0"/>
+          <a:chExt cx="0" cy="0"/>
+        </a:xfrm>
+      </p:grpSpPr>
+      <p:sp>
+        <p:nvSpPr>
+          <p:cNvPr id="4" name="Slide Number Placeholder 3"/>
+          <p:cNvSpPr>
+            <a:spLocks noGrp="1"/>
+          </p:cNvSpPr>
+          <p:nvPr>
+            <p:ph type="sldNum" sz="quarter" idx="4"/>
+          </p:nvPr>
+        </p:nvSpPr>
+        <p:spPr/>
+        <p:txBody>
+          <a:bodyPr/>
+          <a:lstStyle/>
+          <a:p>
+            <a:pPr>
+              <a:defRPr/>
+            </a:pPr>
+            <a:fld id="{3F51DE6B-9243-4E85-B0E8-1607A2626A11}" type="slidenum">
+              <a:rPr lang="en-US" smtClean="0"/>
+              <a:pPr>
+                <a:defRPr/>
+              </a:pPr>
+              <a:t>12</a:t>
+            </a:fld>
+            <a:endParaRPr lang="en-US" dirty="0"/>
+          </a:p>
+        </p:txBody>
+      </p:sp>
+      <p:pic>
+        <p:nvPicPr>
+          <p:cNvPr id="1026" name="Picture 2" descr="mage result for node red logo"/>
+          <p:cNvPicPr>
+            <a:picLocks noChangeAspect="1" noChangeArrowheads="1"/>
+          </p:cNvPicPr>
+          <p:nvPr/>
+        </p:nvPicPr>
+        <p:blipFill>
+          <a:blip r:embed="rId2">
+            <a:extLst>
+              <a:ext uri="{28A0092B-C50C-407E-A947-70E740481C1C}">
+                <a14:useLocalDpi xmlns:a14="http://schemas.microsoft.com/office/drawing/2010/main" val="0"/>
+              </a:ext>
+            </a:extLst>
+          </a:blip>
+          <a:srcRect/>
+          <a:stretch>
+            <a:fillRect/>
+          </a:stretch>
+        </p:blipFill>
+        <p:spPr bwMode="auto">
+          <a:xfrm>
+            <a:off x="2981120" y="1365704"/>
+            <a:ext cx="577191" cy="577191"/>
+          </a:xfrm>
+          <a:prstGeom prst="rect">
+            <a:avLst/>
+          </a:prstGeom>
+          <a:noFill/>
+          <a:extLst>
+            <a:ext uri="{909E8E84-426E-40DD-AFC4-6F175D3DCCD1}">
+              <a14:hiddenFill xmlns:a14="http://schemas.microsoft.com/office/drawing/2010/main">
+                <a:solidFill>
+                  <a:srgbClr val="FFFFFF"/>
+                </a:solidFill>
+              </a14:hiddenFill>
+            </a:ext>
+          </a:extLst>
+        </p:spPr>
+      </p:pic>
+      <p:pic>
+        <p:nvPicPr>
+          <p:cNvPr id="1030" name="Picture 6" descr="mage result for watson conversation"/>
+          <p:cNvPicPr>
+            <a:picLocks noChangeAspect="1" noChangeArrowheads="1"/>
+          </p:cNvPicPr>
+          <p:nvPr/>
+        </p:nvPicPr>
+        <p:blipFill>
+          <a:blip r:embed="rId3">
+            <a:extLst>
+              <a:ext uri="{28A0092B-C50C-407E-A947-70E740481C1C}">
+                <a14:useLocalDpi xmlns:a14="http://schemas.microsoft.com/office/drawing/2010/main" val="0"/>
+              </a:ext>
+            </a:extLst>
+          </a:blip>
+          <a:srcRect/>
+          <a:stretch>
+            <a:fillRect/>
+          </a:stretch>
+        </p:blipFill>
+        <p:spPr bwMode="auto">
+          <a:xfrm>
+            <a:off x="4136354" y="1026799"/>
+            <a:ext cx="568961" cy="568961"/>
+          </a:xfrm>
+          <a:prstGeom prst="rect">
+            <a:avLst/>
+          </a:prstGeom>
+          <a:noFill/>
+          <a:extLst>
+            <a:ext uri="{909E8E84-426E-40DD-AFC4-6F175D3DCCD1}">
+              <a14:hiddenFill xmlns:a14="http://schemas.microsoft.com/office/drawing/2010/main">
+                <a:solidFill>
+                  <a:srgbClr val="FFFFFF"/>
+                </a:solidFill>
+              </a14:hiddenFill>
+            </a:ext>
+          </a:extLst>
+        </p:spPr>
+      </p:pic>
+      <p:pic>
+        <p:nvPicPr>
+          <p:cNvPr id="1032" name="Picture 8" descr="mage result for cloudant"/>
+          <p:cNvPicPr>
+            <a:picLocks noChangeAspect="1" noChangeArrowheads="1"/>
+          </p:cNvPicPr>
+          <p:nvPr/>
+        </p:nvPicPr>
+        <p:blipFill rotWithShape="1">
+          <a:blip r:embed="rId4">
+            <a:extLst>
+              <a:ext uri="{28A0092B-C50C-407E-A947-70E740481C1C}">
+                <a14:useLocalDpi xmlns:a14="http://schemas.microsoft.com/office/drawing/2010/main" val="0"/>
+              </a:ext>
+            </a:extLst>
+          </a:blip>
+          <a:srcRect b="11206"/>
+          <a:stretch/>
+        </p:blipFill>
+        <p:spPr bwMode="auto">
+          <a:xfrm>
+            <a:off x="4066540" y="2075764"/>
+            <a:ext cx="729610" cy="797694"/>
+          </a:xfrm>
+          <a:prstGeom prst="rect">
+            <a:avLst/>
+          </a:prstGeom>
+          <a:noFill/>
+          <a:extLst>
+            <a:ext uri="{909E8E84-426E-40DD-AFC4-6F175D3DCCD1}">
+              <a14:hiddenFill xmlns:a14="http://schemas.microsoft.com/office/drawing/2010/main">
+                <a:solidFill>
+                  <a:srgbClr val="FFFFFF"/>
+                </a:solidFill>
+              </a14:hiddenFill>
+            </a:ext>
+          </a:extLst>
+        </p:spPr>
+      </p:pic>
+      <p:pic>
+        <p:nvPicPr>
+          <p:cNvPr id="1034" name="Picture 10" descr="mage result for weather company api"/>
+          <p:cNvPicPr>
+            <a:picLocks noChangeAspect="1" noChangeArrowheads="1"/>
+          </p:cNvPicPr>
+          <p:nvPr/>
+        </p:nvPicPr>
+        <p:blipFill>
+          <a:blip r:embed="rId5">
+            <a:extLst>
+              <a:ext uri="{28A0092B-C50C-407E-A947-70E740481C1C}">
+                <a14:useLocalDpi xmlns:a14="http://schemas.microsoft.com/office/drawing/2010/main" val="0"/>
+              </a:ext>
+            </a:extLst>
+          </a:blip>
+          <a:srcRect/>
+          <a:stretch>
+            <a:fillRect/>
+          </a:stretch>
+        </p:blipFill>
+        <p:spPr bwMode="auto">
+          <a:xfrm>
+            <a:off x="4136354" y="3252652"/>
+            <a:ext cx="479344" cy="463939"/>
+          </a:xfrm>
+          <a:prstGeom prst="rect">
+            <a:avLst/>
+          </a:prstGeom>
+          <a:noFill/>
+          <a:extLst>
+            <a:ext uri="{909E8E84-426E-40DD-AFC4-6F175D3DCCD1}">
+              <a14:hiddenFill xmlns:a14="http://schemas.microsoft.com/office/drawing/2010/main">
+                <a:solidFill>
+                  <a:srgbClr val="FFFFFF"/>
+                </a:solidFill>
+              </a14:hiddenFill>
+            </a:ext>
+          </a:extLst>
+        </p:spPr>
+      </p:pic>
+      <p:sp>
+        <p:nvSpPr>
+          <p:cNvPr id="6" name="Oval 5"/>
+          <p:cNvSpPr/>
+          <p:nvPr/>
+        </p:nvSpPr>
+        <p:spPr>
+          <a:xfrm>
+            <a:off x="2481730" y="2607606"/>
+            <a:ext cx="497712" cy="466608"/>
+          </a:xfrm>
+          <a:prstGeom prst="ellipse">
+            <a:avLst/>
+          </a:prstGeom>
+        </p:spPr>
+        <p:style>
+          <a:lnRef idx="2">
+            <a:schemeClr val="accent1">
+              <a:shade val="50000"/>
+            </a:schemeClr>
+          </a:lnRef>
+          <a:fillRef idx="1">
+            <a:schemeClr val="accent1"/>
+          </a:fillRef>
+          <a:effectRef idx="0">
+            <a:schemeClr val="accent1"/>
+          </a:effectRef>
+          <a:fontRef idx="minor">
+            <a:schemeClr val="lt1"/>
+          </a:fontRef>
+        </p:style>
+        <p:txBody>
+          <a:bodyPr rtlCol="0" anchor="ctr"/>
+          <a:lstStyle/>
+          <a:p>
+            <a:pPr algn="ctr"/>
+            <a:endParaRPr lang="en-US"/>
+          </a:p>
+        </p:txBody>
+      </p:sp>
+      <p:pic>
+        <p:nvPicPr>
+          <p:cNvPr id="1036" name="Picture 12" descr="mage result for smart phone icon"/>
+          <p:cNvPicPr>
+            <a:picLocks noChangeAspect="1" noChangeArrowheads="1"/>
+          </p:cNvPicPr>
+          <p:nvPr/>
+        </p:nvPicPr>
+        <p:blipFill>
+          <a:blip r:embed="rId6">
+            <a:extLst>
+              <a:ext uri="{28A0092B-C50C-407E-A947-70E740481C1C}">
+                <a14:useLocalDpi xmlns:a14="http://schemas.microsoft.com/office/drawing/2010/main" val="0"/>
+              </a:ext>
+            </a:extLst>
+          </a:blip>
+          <a:srcRect/>
+          <a:stretch>
+            <a:fillRect/>
+          </a:stretch>
+        </p:blipFill>
+        <p:spPr bwMode="auto">
+          <a:xfrm>
+            <a:off x="1228916" y="2530512"/>
+            <a:ext cx="619238" cy="619238"/>
+          </a:xfrm>
+          <a:prstGeom prst="rect">
+            <a:avLst/>
+          </a:prstGeom>
+          <a:noFill/>
+          <a:extLst>
+            <a:ext uri="{909E8E84-426E-40DD-AFC4-6F175D3DCCD1}">
+              <a14:hiddenFill xmlns:a14="http://schemas.microsoft.com/office/drawing/2010/main">
+                <a:solidFill>
+                  <a:srgbClr val="FFFFFF"/>
+                </a:solidFill>
+              </a14:hiddenFill>
+            </a:ext>
+          </a:extLst>
+        </p:spPr>
+      </p:pic>
+      <p:sp>
+        <p:nvSpPr>
+          <p:cNvPr id="7" name="Rectangle 6"/>
+          <p:cNvSpPr/>
+          <p:nvPr/>
+        </p:nvSpPr>
+        <p:spPr>
+          <a:xfrm>
+            <a:off x="821803" y="167951"/>
+            <a:ext cx="5896238" cy="4975548"/>
+          </a:xfrm>
+          <a:prstGeom prst="rect">
+            <a:avLst/>
+          </a:prstGeom>
+          <a:noFill/>
+          <a:ln w="38100">
+            <a:solidFill>
+              <a:srgbClr val="0070C0"/>
+            </a:solidFill>
+          </a:ln>
+        </p:spPr>
+        <p:style>
+          <a:lnRef idx="2">
+            <a:schemeClr val="accent1">
+              <a:shade val="50000"/>
+            </a:schemeClr>
+          </a:lnRef>
+          <a:fillRef idx="1">
+            <a:schemeClr val="accent1"/>
+          </a:fillRef>
+          <a:effectRef idx="0">
+            <a:schemeClr val="accent1"/>
+          </a:effectRef>
+          <a:fontRef idx="minor">
+            <a:schemeClr val="lt1"/>
+          </a:fontRef>
+        </p:style>
+        <p:txBody>
+          <a:bodyPr rtlCol="0" anchor="ctr"/>
+          <a:lstStyle/>
+          <a:p>
+            <a:pPr algn="ctr"/>
+            <a:endParaRPr lang="en-US"/>
+          </a:p>
+        </p:txBody>
+      </p:sp>
+      <p:sp>
+        <p:nvSpPr>
+          <p:cNvPr id="8" name="TextBox 7"/>
+          <p:cNvSpPr txBox="1"/>
+          <p:nvPr/>
+        </p:nvSpPr>
+        <p:spPr>
+          <a:xfrm>
+            <a:off x="2280251" y="329508"/>
+            <a:ext cx="1196917" cy="261610"/>
+          </a:xfrm>
+          <a:prstGeom prst="rect">
+            <a:avLst/>
+          </a:prstGeom>
+          <a:noFill/>
+        </p:spPr>
+        <p:txBody>
+          <a:bodyPr wrap="square" rtlCol="0">
+            <a:spAutoFit/>
+          </a:bodyPr>
+          <a:lstStyle/>
+          <a:p>
+            <a:r>
+              <a:rPr lang="en-US" sz="1100" b="1" dirty="0" smtClean="0">
+                <a:solidFill>
+                  <a:schemeClr val="accent4"/>
+                </a:solidFill>
+              </a:rPr>
+              <a:t>Cloud Network</a:t>
+            </a:r>
+            <a:endParaRPr lang="en-US" sz="1100" b="1" dirty="0">
+              <a:solidFill>
+                <a:schemeClr val="accent4"/>
+              </a:solidFill>
+            </a:endParaRPr>
+          </a:p>
+        </p:txBody>
+      </p:sp>
+      <p:sp>
+        <p:nvSpPr>
+          <p:cNvPr id="14" name="TextBox 13"/>
+          <p:cNvSpPr txBox="1"/>
+          <p:nvPr/>
+        </p:nvSpPr>
+        <p:spPr>
+          <a:xfrm>
+            <a:off x="1062270" y="329508"/>
+            <a:ext cx="1196917" cy="261610"/>
+          </a:xfrm>
+          <a:prstGeom prst="rect">
+            <a:avLst/>
+          </a:prstGeom>
+          <a:noFill/>
+        </p:spPr>
+        <p:txBody>
+          <a:bodyPr wrap="square" rtlCol="0">
+            <a:spAutoFit/>
+          </a:bodyPr>
+          <a:lstStyle/>
+          <a:p>
+            <a:r>
+              <a:rPr lang="en-US" sz="1100" b="1" dirty="0" smtClean="0">
+                <a:solidFill>
+                  <a:schemeClr val="accent4"/>
+                </a:solidFill>
+              </a:rPr>
+              <a:t>Public Network</a:t>
+            </a:r>
+            <a:endParaRPr lang="en-US" sz="1100" b="1" dirty="0">
+              <a:solidFill>
+                <a:schemeClr val="accent4"/>
+              </a:solidFill>
+            </a:endParaRPr>
+          </a:p>
+        </p:txBody>
+      </p:sp>
+      <p:sp>
+        <p:nvSpPr>
+          <p:cNvPr id="15" name="TextBox 14"/>
+          <p:cNvSpPr txBox="1"/>
+          <p:nvPr/>
+        </p:nvSpPr>
+        <p:spPr>
+          <a:xfrm>
+            <a:off x="3822375" y="355839"/>
+            <a:ext cx="1196917" cy="261610"/>
+          </a:xfrm>
+          <a:prstGeom prst="rect">
+            <a:avLst/>
+          </a:prstGeom>
+          <a:noFill/>
+        </p:spPr>
+        <p:txBody>
+          <a:bodyPr wrap="square" rtlCol="0">
+            <a:spAutoFit/>
+          </a:bodyPr>
+          <a:lstStyle/>
+          <a:p>
+            <a:r>
+              <a:rPr lang="en-US" sz="1100" b="1" dirty="0" err="1" smtClean="0">
+                <a:solidFill>
+                  <a:schemeClr val="accent4"/>
+                </a:solidFill>
+              </a:rPr>
+              <a:t>Bluemix</a:t>
+            </a:r>
+            <a:r>
+              <a:rPr lang="en-US" sz="1100" b="1" dirty="0" smtClean="0">
+                <a:solidFill>
+                  <a:schemeClr val="accent4"/>
+                </a:solidFill>
+              </a:rPr>
+              <a:t> Services</a:t>
+            </a:r>
+            <a:endParaRPr lang="en-US" sz="1100" b="1" dirty="0">
+              <a:solidFill>
+                <a:schemeClr val="accent4"/>
+              </a:solidFill>
+            </a:endParaRPr>
+          </a:p>
+        </p:txBody>
+      </p:sp>
+      <p:sp>
+        <p:nvSpPr>
+          <p:cNvPr id="16" name="TextBox 15"/>
+          <p:cNvSpPr txBox="1"/>
+          <p:nvPr/>
+        </p:nvSpPr>
+        <p:spPr>
+          <a:xfrm>
+            <a:off x="5323255" y="329560"/>
+            <a:ext cx="1196917" cy="261610"/>
+          </a:xfrm>
+          <a:prstGeom prst="rect">
+            <a:avLst/>
+          </a:prstGeom>
+          <a:noFill/>
+        </p:spPr>
+        <p:txBody>
+          <a:bodyPr wrap="square" rtlCol="0">
+            <a:spAutoFit/>
+          </a:bodyPr>
+          <a:lstStyle/>
+          <a:p>
+            <a:r>
+              <a:rPr lang="en-US" sz="1100" b="1" dirty="0" smtClean="0">
+                <a:solidFill>
+                  <a:schemeClr val="accent4"/>
+                </a:solidFill>
+              </a:rPr>
+              <a:t>Private Network</a:t>
+            </a:r>
+            <a:endParaRPr lang="en-US" sz="1100" b="1" dirty="0">
+              <a:solidFill>
+                <a:schemeClr val="accent4"/>
+              </a:solidFill>
+            </a:endParaRPr>
+          </a:p>
+        </p:txBody>
+      </p:sp>
+      <p:cxnSp>
+        <p:nvCxnSpPr>
+          <p:cNvPr id="10" name="Straight Connector 9"/>
+          <p:cNvCxnSpPr/>
+          <p:nvPr/>
+        </p:nvCxnSpPr>
+        <p:spPr>
+          <a:xfrm flipH="1">
+            <a:off x="2138517" y="329508"/>
+            <a:ext cx="14748" cy="4711599"/>
+          </a:xfrm>
+          <a:prstGeom prst="line">
+            <a:avLst/>
+          </a:prstGeom>
+          <a:ln>
+            <a:solidFill>
+              <a:srgbClr val="0070C0"/>
+            </a:solidFill>
+          </a:ln>
+        </p:spPr>
+        <p:style>
+          <a:lnRef idx="1">
+            <a:schemeClr val="accent1"/>
+          </a:lnRef>
+          <a:fillRef idx="0">
+            <a:schemeClr val="accent1"/>
+          </a:fillRef>
+          <a:effectRef idx="0">
+            <a:schemeClr val="accent1"/>
+          </a:effectRef>
+          <a:fontRef idx="minor">
+            <a:schemeClr val="tx1"/>
+          </a:fontRef>
+        </p:style>
+      </p:cxnSp>
+      <p:cxnSp>
+        <p:nvCxnSpPr>
+          <p:cNvPr id="25" name="Straight Connector 24"/>
+          <p:cNvCxnSpPr/>
+          <p:nvPr/>
+        </p:nvCxnSpPr>
+        <p:spPr>
+          <a:xfrm flipH="1">
+            <a:off x="5181998" y="355839"/>
+            <a:ext cx="14748" cy="4711599"/>
+          </a:xfrm>
+          <a:prstGeom prst="line">
+            <a:avLst/>
+          </a:prstGeom>
+          <a:ln>
+            <a:solidFill>
+              <a:srgbClr val="0070C0"/>
+            </a:solidFill>
+          </a:ln>
+        </p:spPr>
+        <p:style>
+          <a:lnRef idx="1">
+            <a:schemeClr val="accent1"/>
+          </a:lnRef>
+          <a:fillRef idx="0">
+            <a:schemeClr val="accent1"/>
+          </a:fillRef>
+          <a:effectRef idx="0">
+            <a:schemeClr val="accent1"/>
+          </a:effectRef>
+          <a:fontRef idx="minor">
+            <a:schemeClr val="tx1"/>
+          </a:fontRef>
+        </p:style>
+      </p:cxnSp>
+      <p:sp>
+        <p:nvSpPr>
+          <p:cNvPr id="27" name="Oval 26"/>
+          <p:cNvSpPr/>
+          <p:nvPr/>
+        </p:nvSpPr>
+        <p:spPr>
+          <a:xfrm>
+            <a:off x="1312340" y="1438282"/>
+            <a:ext cx="497712" cy="466608"/>
+          </a:xfrm>
+          <a:prstGeom prst="ellipse">
+            <a:avLst/>
+          </a:prstGeom>
+          <a:solidFill>
+            <a:srgbClr val="FFC000"/>
+          </a:solidFill>
+          <a:ln>
+            <a:solidFill>
+              <a:srgbClr val="FFC000"/>
+            </a:solidFill>
+          </a:ln>
+        </p:spPr>
+        <p:style>
+          <a:lnRef idx="2">
+            <a:schemeClr val="accent1">
+              <a:shade val="50000"/>
+            </a:schemeClr>
+          </a:lnRef>
+          <a:fillRef idx="1">
+            <a:schemeClr val="accent1"/>
+          </a:fillRef>
+          <a:effectRef idx="0">
+            <a:schemeClr val="accent1"/>
+          </a:effectRef>
+          <a:fontRef idx="minor">
+            <a:schemeClr val="lt1"/>
+          </a:fontRef>
+        </p:style>
+        <p:txBody>
+          <a:bodyPr rtlCol="0" anchor="ctr"/>
+          <a:lstStyle/>
+          <a:p>
+            <a:pPr algn="ctr"/>
+            <a:endParaRPr lang="en-US"/>
+          </a:p>
+        </p:txBody>
+      </p:sp>
+      <p:sp>
+        <p:nvSpPr>
+          <p:cNvPr id="28" name="TextBox 27"/>
+          <p:cNvSpPr txBox="1"/>
+          <p:nvPr/>
+        </p:nvSpPr>
+        <p:spPr>
+          <a:xfrm>
+            <a:off x="880795" y="1914788"/>
+            <a:ext cx="1360802" cy="338554"/>
+          </a:xfrm>
+          <a:prstGeom prst="rect">
+            <a:avLst/>
+          </a:prstGeom>
+          <a:noFill/>
+        </p:spPr>
+        <p:txBody>
+          <a:bodyPr wrap="square" rtlCol="0">
+            <a:spAutoFit/>
+          </a:bodyPr>
+          <a:lstStyle/>
+          <a:p>
+            <a:pPr algn="ctr"/>
+            <a:r>
+              <a:rPr lang="en-US" sz="800" b="1" dirty="0" smtClean="0">
+                <a:solidFill>
+                  <a:schemeClr val="accent4"/>
+                </a:solidFill>
+              </a:rPr>
+              <a:t>Browser/</a:t>
+            </a:r>
+            <a:r>
+              <a:rPr lang="en-US" sz="800" b="1" dirty="0" err="1" smtClean="0">
+                <a:solidFill>
+                  <a:schemeClr val="accent4"/>
+                </a:solidFill>
+              </a:rPr>
+              <a:t>nodeRED</a:t>
+            </a:r>
+            <a:r>
+              <a:rPr lang="en-US" sz="800" b="1" dirty="0" smtClean="0">
+                <a:solidFill>
+                  <a:schemeClr val="accent4"/>
+                </a:solidFill>
+              </a:rPr>
+              <a:t> UI </a:t>
+            </a:r>
+          </a:p>
+          <a:p>
+            <a:pPr algn="ctr"/>
+            <a:r>
+              <a:rPr lang="en-US" sz="800" b="1" dirty="0" smtClean="0">
+                <a:solidFill>
+                  <a:schemeClr val="accent4"/>
+                </a:solidFill>
+              </a:rPr>
+              <a:t>(Web client Dashboard)</a:t>
+            </a:r>
+            <a:endParaRPr lang="en-US" sz="800" b="1" dirty="0">
+              <a:solidFill>
+                <a:schemeClr val="accent4"/>
+              </a:solidFill>
+            </a:endParaRPr>
+          </a:p>
+        </p:txBody>
+      </p:sp>
+      <p:sp>
+        <p:nvSpPr>
+          <p:cNvPr id="29" name="TextBox 28"/>
+          <p:cNvSpPr txBox="1"/>
+          <p:nvPr/>
+        </p:nvSpPr>
+        <p:spPr>
+          <a:xfrm>
+            <a:off x="858134" y="3250093"/>
+            <a:ext cx="1360802" cy="215444"/>
+          </a:xfrm>
+          <a:prstGeom prst="rect">
+            <a:avLst/>
+          </a:prstGeom>
+          <a:noFill/>
+        </p:spPr>
+        <p:txBody>
+          <a:bodyPr wrap="square" rtlCol="0">
+            <a:spAutoFit/>
+          </a:bodyPr>
+          <a:lstStyle/>
+          <a:p>
+            <a:pPr algn="ctr"/>
+            <a:r>
+              <a:rPr lang="en-US" sz="800" b="1" dirty="0" smtClean="0">
+                <a:solidFill>
+                  <a:schemeClr val="accent4"/>
+                </a:solidFill>
+              </a:rPr>
+              <a:t>Watson Chat Client</a:t>
+            </a:r>
+            <a:endParaRPr lang="en-US" sz="1000" b="1" dirty="0">
+              <a:solidFill>
+                <a:schemeClr val="accent4"/>
+              </a:solidFill>
+            </a:endParaRPr>
+          </a:p>
+        </p:txBody>
+      </p:sp>
+      <p:sp>
+        <p:nvSpPr>
+          <p:cNvPr id="30" name="TextBox 29"/>
+          <p:cNvSpPr txBox="1"/>
+          <p:nvPr/>
+        </p:nvSpPr>
+        <p:spPr>
+          <a:xfrm>
+            <a:off x="2039517" y="3091046"/>
+            <a:ext cx="1360802" cy="215444"/>
+          </a:xfrm>
+          <a:prstGeom prst="rect">
+            <a:avLst/>
+          </a:prstGeom>
+          <a:noFill/>
+        </p:spPr>
+        <p:txBody>
+          <a:bodyPr wrap="square" rtlCol="0">
+            <a:spAutoFit/>
+          </a:bodyPr>
+          <a:lstStyle/>
+          <a:p>
+            <a:pPr algn="ctr"/>
+            <a:r>
+              <a:rPr lang="en-US" sz="800" b="1" dirty="0" smtClean="0">
+                <a:solidFill>
+                  <a:schemeClr val="accent4"/>
+                </a:solidFill>
+              </a:rPr>
+              <a:t>Watson Chat Proxy</a:t>
+            </a:r>
+            <a:endParaRPr lang="en-US" sz="1000" b="1" dirty="0">
+              <a:solidFill>
+                <a:schemeClr val="accent4"/>
+              </a:solidFill>
+            </a:endParaRPr>
+          </a:p>
+        </p:txBody>
+      </p:sp>
+      <p:sp>
+        <p:nvSpPr>
+          <p:cNvPr id="31" name="TextBox 30"/>
+          <p:cNvSpPr txBox="1"/>
+          <p:nvPr/>
+        </p:nvSpPr>
+        <p:spPr>
+          <a:xfrm>
+            <a:off x="3740433" y="1654300"/>
+            <a:ext cx="1360802" cy="215444"/>
+          </a:xfrm>
+          <a:prstGeom prst="rect">
+            <a:avLst/>
+          </a:prstGeom>
+          <a:noFill/>
+        </p:spPr>
+        <p:txBody>
+          <a:bodyPr wrap="square" rtlCol="0">
+            <a:spAutoFit/>
+          </a:bodyPr>
+          <a:lstStyle/>
+          <a:p>
+            <a:pPr algn="ctr"/>
+            <a:r>
+              <a:rPr lang="en-US" sz="800" b="1" dirty="0" smtClean="0">
+                <a:solidFill>
+                  <a:schemeClr val="accent4"/>
+                </a:solidFill>
+              </a:rPr>
+              <a:t>Watson Conversation</a:t>
+            </a:r>
+            <a:endParaRPr lang="en-US" sz="1000" b="1" dirty="0">
+              <a:solidFill>
+                <a:schemeClr val="accent4"/>
+              </a:solidFill>
+            </a:endParaRPr>
+          </a:p>
+        </p:txBody>
+      </p:sp>
+      <p:sp>
+        <p:nvSpPr>
+          <p:cNvPr id="32" name="TextBox 31"/>
+          <p:cNvSpPr txBox="1"/>
+          <p:nvPr/>
+        </p:nvSpPr>
+        <p:spPr>
+          <a:xfrm>
+            <a:off x="3769922" y="3687095"/>
+            <a:ext cx="1360802" cy="215444"/>
+          </a:xfrm>
+          <a:prstGeom prst="rect">
+            <a:avLst/>
+          </a:prstGeom>
+          <a:noFill/>
+        </p:spPr>
+        <p:txBody>
+          <a:bodyPr wrap="square" rtlCol="0">
+            <a:spAutoFit/>
+          </a:bodyPr>
+          <a:lstStyle/>
+          <a:p>
+            <a:pPr algn="ctr"/>
+            <a:r>
+              <a:rPr lang="en-US" sz="800" b="1" dirty="0" smtClean="0">
+                <a:solidFill>
+                  <a:schemeClr val="accent4"/>
+                </a:solidFill>
+              </a:rPr>
+              <a:t>Weather Company Data</a:t>
+            </a:r>
+            <a:endParaRPr lang="en-US" sz="1000" b="1" dirty="0">
+              <a:solidFill>
+                <a:schemeClr val="accent4"/>
+              </a:solidFill>
+            </a:endParaRPr>
+          </a:p>
+        </p:txBody>
+      </p:sp>
+      <p:cxnSp>
+        <p:nvCxnSpPr>
+          <p:cNvPr id="22" name="Straight Arrow Connector 21"/>
+          <p:cNvCxnSpPr>
+            <a:stCxn id="27" idx="6"/>
+            <a:endCxn id="1026" idx="1"/>
+          </p:cNvCxnSpPr>
+          <p:nvPr/>
+        </p:nvCxnSpPr>
+        <p:spPr>
+          <a:xfrm flipV="1">
+            <a:off x="1810052" y="1654300"/>
+            <a:ext cx="1171068" cy="17286"/>
+          </a:xfrm>
+          <a:prstGeom prst="straightConnector1">
+            <a:avLst/>
+          </a:prstGeom>
+          <a:ln>
+            <a:solidFill>
+              <a:schemeClr val="tx1"/>
+            </a:solidFill>
+            <a:tailEnd type="triangle"/>
+          </a:ln>
+        </p:spPr>
+        <p:style>
+          <a:lnRef idx="1">
+            <a:schemeClr val="accent1"/>
+          </a:lnRef>
+          <a:fillRef idx="0">
+            <a:schemeClr val="accent1"/>
+          </a:fillRef>
+          <a:effectRef idx="0">
+            <a:schemeClr val="accent1"/>
+          </a:effectRef>
+          <a:fontRef idx="minor">
+            <a:schemeClr val="tx1"/>
+          </a:fontRef>
+        </p:style>
+      </p:cxnSp>
+      <p:cxnSp>
+        <p:nvCxnSpPr>
+          <p:cNvPr id="33" name="Straight Arrow Connector 32"/>
+          <p:cNvCxnSpPr>
+            <a:stCxn id="6" idx="7"/>
+            <a:endCxn id="1026" idx="2"/>
+          </p:cNvCxnSpPr>
+          <p:nvPr/>
+        </p:nvCxnSpPr>
+        <p:spPr>
+          <a:xfrm flipV="1">
+            <a:off x="2906554" y="1942895"/>
+            <a:ext cx="363162" cy="733044"/>
+          </a:xfrm>
+          <a:prstGeom prst="straightConnector1">
+            <a:avLst/>
+          </a:prstGeom>
+          <a:ln>
+            <a:solidFill>
+              <a:schemeClr val="tx1"/>
+            </a:solidFill>
+            <a:tailEnd type="triangle"/>
+          </a:ln>
+        </p:spPr>
+        <p:style>
+          <a:lnRef idx="1">
+            <a:schemeClr val="accent1"/>
+          </a:lnRef>
+          <a:fillRef idx="0">
+            <a:schemeClr val="accent1"/>
+          </a:fillRef>
+          <a:effectRef idx="0">
+            <a:schemeClr val="accent1"/>
+          </a:effectRef>
+          <a:fontRef idx="minor">
+            <a:schemeClr val="tx1"/>
+          </a:fontRef>
+        </p:style>
+      </p:cxnSp>
+      <p:cxnSp>
+        <p:nvCxnSpPr>
+          <p:cNvPr id="35" name="Straight Connector 34"/>
+          <p:cNvCxnSpPr>
+            <a:stCxn id="1036" idx="3"/>
+            <a:endCxn id="6" idx="2"/>
+          </p:cNvCxnSpPr>
+          <p:nvPr/>
+        </p:nvCxnSpPr>
+        <p:spPr>
+          <a:xfrm>
+            <a:off x="1848154" y="2840131"/>
+            <a:ext cx="633576" cy="779"/>
+          </a:xfrm>
+          <a:prstGeom prst="line">
+            <a:avLst/>
+          </a:prstGeom>
+          <a:ln>
+            <a:solidFill>
+              <a:schemeClr val="tx1"/>
+            </a:solidFill>
+          </a:ln>
+        </p:spPr>
+        <p:style>
+          <a:lnRef idx="1">
+            <a:schemeClr val="accent1"/>
+          </a:lnRef>
+          <a:fillRef idx="0">
+            <a:schemeClr val="accent1"/>
+          </a:fillRef>
+          <a:effectRef idx="0">
+            <a:schemeClr val="accent1"/>
+          </a:effectRef>
+          <a:fontRef idx="minor">
+            <a:schemeClr val="tx1"/>
+          </a:fontRef>
+        </p:style>
+      </p:cxnSp>
+      <p:cxnSp>
+        <p:nvCxnSpPr>
+          <p:cNvPr id="43" name="Straight Connector 42"/>
+          <p:cNvCxnSpPr/>
+          <p:nvPr/>
+        </p:nvCxnSpPr>
+        <p:spPr>
+          <a:xfrm>
+            <a:off x="3822375" y="1167575"/>
+            <a:ext cx="0" cy="2445780"/>
+          </a:xfrm>
+          <a:prstGeom prst="line">
+            <a:avLst/>
+          </a:prstGeom>
+          <a:ln>
+            <a:solidFill>
+              <a:schemeClr val="tx1"/>
+            </a:solidFill>
+          </a:ln>
+        </p:spPr>
+        <p:style>
+          <a:lnRef idx="1">
+            <a:schemeClr val="accent1"/>
+          </a:lnRef>
+          <a:fillRef idx="0">
+            <a:schemeClr val="accent1"/>
+          </a:fillRef>
+          <a:effectRef idx="0">
+            <a:schemeClr val="accent1"/>
+          </a:effectRef>
+          <a:fontRef idx="minor">
+            <a:schemeClr val="tx1"/>
+          </a:fontRef>
+        </p:style>
+      </p:cxnSp>
+      <p:cxnSp>
+        <p:nvCxnSpPr>
+          <p:cNvPr id="45" name="Straight Arrow Connector 44"/>
+          <p:cNvCxnSpPr/>
+          <p:nvPr/>
+        </p:nvCxnSpPr>
+        <p:spPr>
+          <a:xfrm>
+            <a:off x="3822375" y="3613355"/>
+            <a:ext cx="313979" cy="0"/>
+          </a:xfrm>
+          <a:prstGeom prst="straightConnector1">
+            <a:avLst/>
+          </a:prstGeom>
+          <a:ln>
+            <a:solidFill>
+              <a:schemeClr val="tx1"/>
+            </a:solidFill>
+            <a:tailEnd type="triangle"/>
+          </a:ln>
+        </p:spPr>
+        <p:style>
+          <a:lnRef idx="1">
+            <a:schemeClr val="accent1"/>
+          </a:lnRef>
+          <a:fillRef idx="0">
+            <a:schemeClr val="accent1"/>
+          </a:fillRef>
+          <a:effectRef idx="0">
+            <a:schemeClr val="accent1"/>
+          </a:effectRef>
+          <a:fontRef idx="minor">
+            <a:schemeClr val="tx1"/>
+          </a:fontRef>
+        </p:style>
+      </p:cxnSp>
+      <p:cxnSp>
+        <p:nvCxnSpPr>
+          <p:cNvPr id="48" name="Straight Arrow Connector 47"/>
+          <p:cNvCxnSpPr/>
+          <p:nvPr/>
+        </p:nvCxnSpPr>
+        <p:spPr>
+          <a:xfrm>
+            <a:off x="3822375" y="2607606"/>
+            <a:ext cx="313979" cy="0"/>
+          </a:xfrm>
+          <a:prstGeom prst="straightConnector1">
+            <a:avLst/>
+          </a:prstGeom>
+          <a:ln>
+            <a:solidFill>
+              <a:schemeClr val="tx1"/>
+            </a:solidFill>
+            <a:tailEnd type="triangle"/>
+          </a:ln>
+        </p:spPr>
+        <p:style>
+          <a:lnRef idx="1">
+            <a:schemeClr val="accent1"/>
+          </a:lnRef>
+          <a:fillRef idx="0">
+            <a:schemeClr val="accent1"/>
+          </a:fillRef>
+          <a:effectRef idx="0">
+            <a:schemeClr val="accent1"/>
+          </a:effectRef>
+          <a:fontRef idx="minor">
+            <a:schemeClr val="tx1"/>
+          </a:fontRef>
+        </p:style>
+      </p:cxnSp>
+      <p:cxnSp>
+        <p:nvCxnSpPr>
+          <p:cNvPr id="56" name="Straight Arrow Connector 55"/>
+          <p:cNvCxnSpPr/>
+          <p:nvPr/>
+        </p:nvCxnSpPr>
+        <p:spPr>
+          <a:xfrm>
+            <a:off x="3821786" y="1167077"/>
+            <a:ext cx="314568" cy="0"/>
+          </a:xfrm>
+          <a:prstGeom prst="straightConnector1">
+            <a:avLst/>
+          </a:prstGeom>
+          <a:ln>
+            <a:solidFill>
+              <a:schemeClr val="tx1"/>
+            </a:solidFill>
+            <a:tailEnd type="triangle"/>
+          </a:ln>
+        </p:spPr>
+        <p:style>
+          <a:lnRef idx="1">
+            <a:schemeClr val="accent1"/>
+          </a:lnRef>
+          <a:fillRef idx="0">
+            <a:schemeClr val="accent1"/>
+          </a:fillRef>
+          <a:effectRef idx="0">
+            <a:schemeClr val="accent1"/>
+          </a:effectRef>
+          <a:fontRef idx="minor">
+            <a:schemeClr val="tx1"/>
+          </a:fontRef>
+        </p:style>
+      </p:cxnSp>
+      <p:cxnSp>
+        <p:nvCxnSpPr>
+          <p:cNvPr id="58" name="Straight Connector 57"/>
+          <p:cNvCxnSpPr>
+            <a:stCxn id="1026" idx="3"/>
+          </p:cNvCxnSpPr>
+          <p:nvPr/>
+        </p:nvCxnSpPr>
+        <p:spPr>
+          <a:xfrm>
+            <a:off x="3558311" y="1654300"/>
+            <a:ext cx="263475" cy="0"/>
+          </a:xfrm>
+          <a:prstGeom prst="line">
+            <a:avLst/>
+          </a:prstGeom>
+          <a:ln>
+            <a:solidFill>
+              <a:schemeClr val="tx1"/>
+            </a:solidFill>
+          </a:ln>
+        </p:spPr>
+        <p:style>
+          <a:lnRef idx="1">
+            <a:schemeClr val="accent1"/>
+          </a:lnRef>
+          <a:fillRef idx="0">
+            <a:schemeClr val="accent1"/>
+          </a:fillRef>
+          <a:effectRef idx="0">
+            <a:schemeClr val="accent1"/>
+          </a:effectRef>
+          <a:fontRef idx="minor">
+            <a:schemeClr val="tx1"/>
+          </a:fontRef>
+        </p:style>
+      </p:cxnSp>
+    </p:spTree>
+    <p:extLst>
+      <p:ext uri="{BB962C8B-B14F-4D97-AF65-F5344CB8AC3E}">
+        <p14:creationId xmlns:p14="http://schemas.microsoft.com/office/powerpoint/2010/main" val="1877522082"/>
+      </p:ext>
+    </p:extLst>
+  </p:cSld>
+  <p:clrMapOvr>
+    <a:masterClrMapping/>
+  </p:clrMapOvr>
+  <mc:AlternateContent xmlns:mc="http://schemas.openxmlformats.org/markup-compatibility/2006">
+    <mc:Choice xmlns:p14="http://schemas.microsoft.com/office/powerpoint/2010/main" Requires="p14">
+      <p:transition spd="slow" p14:dur="2000"/>
+    </mc:Choice>
+    <mc:Fallback>
+      <p:transition spd="slow"/>
+    </mc:Fallback>
+  </mc:AlternateContent>
+</p:sld>
+</file>
+
+<file path=ppt/slides/slide13.xml><?xml version="1.0" encoding="utf-8"?>
+<p:sld xmlns:a="http://schemas.openxmlformats.org/drawingml/2006/main" xmlns:r="http://schemas.openxmlformats.org/officeDocument/2006/relationships" xmlns:p="http://schemas.openxmlformats.org/presentationml/2006/main">
+  <p:cSld>
+    <p:spTree>
+      <p:nvGrpSpPr>
+        <p:cNvPr id="1" name=""/>
+        <p:cNvGrpSpPr/>
+        <p:nvPr/>
+      </p:nvGrpSpPr>
+      <p:grpSpPr>
+        <a:xfrm>
+          <a:off x="0" y="0"/>
+          <a:ext cx="0" cy="0"/>
+          <a:chOff x="0" y="0"/>
+          <a:chExt cx="0" cy="0"/>
+        </a:xfrm>
+      </p:grpSpPr>
+      <p:sp>
+        <p:nvSpPr>
+          <p:cNvPr id="2" name="Title 1"/>
+          <p:cNvSpPr>
+            <a:spLocks noGrp="1"/>
+          </p:cNvSpPr>
+          <p:nvPr>
+            <p:ph type="title"/>
+          </p:nvPr>
+        </p:nvSpPr>
+        <p:spPr/>
+        <p:txBody>
+          <a:bodyPr/>
+          <a:lstStyle/>
+          <a:p>
+            <a:endParaRPr lang="en-US"/>
+          </a:p>
+        </p:txBody>
+      </p:sp>
+      <p:sp>
+        <p:nvSpPr>
+          <p:cNvPr id="3" name="Content Placeholder 2"/>
+          <p:cNvSpPr>
+            <a:spLocks noGrp="1"/>
+          </p:cNvSpPr>
+          <p:nvPr>
+            <p:ph idx="1"/>
+          </p:nvPr>
+        </p:nvSpPr>
+        <p:spPr/>
+        <p:txBody>
+          <a:bodyPr/>
+          <a:lstStyle/>
+          <a:p>
+            <a:endParaRPr lang="en-US"/>
+          </a:p>
+        </p:txBody>
+      </p:sp>
+      <p:sp>
+        <p:nvSpPr>
+          <p:cNvPr id="4" name="Slide Number Placeholder 3"/>
+          <p:cNvSpPr>
+            <a:spLocks noGrp="1"/>
+          </p:cNvSpPr>
+          <p:nvPr>
+            <p:ph type="sldNum" sz="quarter" idx="12"/>
+          </p:nvPr>
+        </p:nvSpPr>
+        <p:spPr/>
+        <p:txBody>
+          <a:bodyPr/>
+          <a:lstStyle/>
+          <a:p>
+            <a:pPr>
+              <a:defRPr/>
+            </a:pPr>
+            <a:fld id="{3F51DE6B-9243-4E85-B0E8-1607A2626A11}" type="slidenum">
+              <a:rPr lang="en-US" smtClean="0"/>
+              <a:pPr>
+                <a:defRPr/>
+              </a:pPr>
+              <a:t>13</a:t>
+            </a:fld>
+            <a:endParaRPr lang="en-US" dirty="0"/>
+          </a:p>
+        </p:txBody>
+      </p:sp>
+    </p:spTree>
+    <p:extLst>
+      <p:ext uri="{BB962C8B-B14F-4D97-AF65-F5344CB8AC3E}">
+        <p14:creationId xmlns:p14="http://schemas.microsoft.com/office/powerpoint/2010/main" val="388923156"/>
+      </p:ext>
+    </p:extLst>
+  </p:cSld>
+  <p:clrMapOvr>
+    <a:masterClrMapping/>
+  </p:clrMapOvr>
+  <p:transition>
+    <p:fade/>
+  </p:transition>
+</p:sld>
+</file>
+
+<file path=ppt/slides/slide14.xml><?xml version="1.0" encoding="utf-8"?>
 <p:sld xmlns:a="http://schemas.openxmlformats.org/drawingml/2006/main" xmlns:r="http://schemas.openxmlformats.org/officeDocument/2006/relationships" xmlns:p="http://schemas.openxmlformats.org/presentationml/2006/main">
   <p:cSld>
     <p:spTree>
@@ -6389,7 +7643,7 @@
 </p:sld>
 </file>
 
-<file path=ppt/slides/slide13.xml><?xml version="1.0" encoding="utf-8"?>
+<file path=ppt/slides/slide15.xml><?xml version="1.0" encoding="utf-8"?>
 <p:sld xmlns:a="http://schemas.openxmlformats.org/drawingml/2006/main" xmlns:r="http://schemas.openxmlformats.org/officeDocument/2006/relationships" xmlns:p="http://schemas.openxmlformats.org/presentationml/2006/main">
   <p:cSld>
     <p:spTree>
@@ -6653,14 +7907,14 @@
           </a:ln>
           <a:extLst>
             <a:ext uri="{909E8E84-426E-40dd-AFC4-6F175D3DCCD1}">
-              <a14:hiddenFill xmlns:a14="http://schemas.microsoft.com/office/drawing/2010/main" xmlns="">
+              <a14:hiddenFill xmlns="" xmlns:a14="http://schemas.microsoft.com/office/drawing/2010/main">
                 <a:solidFill>
                   <a:srgbClr val="FFFFFF"/>
                 </a:solidFill>
               </a14:hiddenFill>
             </a:ext>
             <a:ext uri="{91240B29-F687-4f45-9708-019B960494DF}">
-              <a14:hiddenLine xmlns:a14="http://schemas.microsoft.com/office/drawing/2010/main" xmlns="" w="9525">
+              <a14:hiddenLine xmlns="" xmlns:a14="http://schemas.microsoft.com/office/drawing/2010/main" w="9525">
                 <a:solidFill>
                   <a:srgbClr val="000000"/>
                 </a:solidFill>
@@ -7042,14 +8296,14 @@
           </a:ln>
           <a:extLst>
             <a:ext uri="{909E8E84-426E-40dd-AFC4-6F175D3DCCD1}">
-              <a14:hiddenFill xmlns:a14="http://schemas.microsoft.com/office/drawing/2010/main" xmlns="">
+              <a14:hiddenFill xmlns="" xmlns:a14="http://schemas.microsoft.com/office/drawing/2010/main">
                 <a:solidFill>
                   <a:srgbClr val="FFFFFF"/>
                 </a:solidFill>
               </a14:hiddenFill>
             </a:ext>
             <a:ext uri="{91240B29-F687-4f45-9708-019B960494DF}">
-              <a14:hiddenLine xmlns:a14="http://schemas.microsoft.com/office/drawing/2010/main" xmlns="" w="9525">
+              <a14:hiddenLine xmlns="" xmlns:a14="http://schemas.microsoft.com/office/drawing/2010/main" w="9525">
                 <a:solidFill>
                   <a:srgbClr val="000000"/>
                 </a:solidFill>
@@ -7252,14 +8506,14 @@
           </a:ln>
           <a:extLst>
             <a:ext uri="{909E8E84-426E-40dd-AFC4-6F175D3DCCD1}">
-              <a14:hiddenFill xmlns:a14="http://schemas.microsoft.com/office/drawing/2010/main" xmlns="">
+              <a14:hiddenFill xmlns="" xmlns:a14="http://schemas.microsoft.com/office/drawing/2010/main">
                 <a:solidFill>
                   <a:srgbClr val="FFFFFF"/>
                 </a:solidFill>
               </a14:hiddenFill>
             </a:ext>
             <a:ext uri="{91240B29-F687-4f45-9708-019B960494DF}">
-              <a14:hiddenLine xmlns:a14="http://schemas.microsoft.com/office/drawing/2010/main" xmlns="" w="9525">
+              <a14:hiddenLine xmlns="" xmlns:a14="http://schemas.microsoft.com/office/drawing/2010/main" w="9525">
                 <a:solidFill>
                   <a:srgbClr val="000000"/>
                 </a:solidFill>
@@ -7555,14 +8809,14 @@
           </a:ln>
           <a:extLst>
             <a:ext uri="{909E8E84-426E-40dd-AFC4-6F175D3DCCD1}">
-              <a14:hiddenFill xmlns:a14="http://schemas.microsoft.com/office/drawing/2010/main" xmlns="">
+              <a14:hiddenFill xmlns="" xmlns:a14="http://schemas.microsoft.com/office/drawing/2010/main">
                 <a:solidFill>
                   <a:srgbClr val="FFFFFF"/>
                 </a:solidFill>
               </a14:hiddenFill>
             </a:ext>
             <a:ext uri="{91240B29-F687-4f45-9708-019B960494DF}">
-              <a14:hiddenLine xmlns:a14="http://schemas.microsoft.com/office/drawing/2010/main" xmlns="" w="9525">
+              <a14:hiddenLine xmlns="" xmlns:a14="http://schemas.microsoft.com/office/drawing/2010/main" w="9525">
                 <a:solidFill>
                   <a:srgbClr val="000000"/>
                 </a:solidFill>

--- a/Intro-Lab2.pptx
+++ b/Intro-Lab2.pptx
@@ -5800,20 +5800,12 @@
           <a:lstStyle/>
           <a:p>
             <a:r>
-              <a:rPr lang="en-US" sz="1100" b="1" dirty="0" err="1" smtClean="0">
+              <a:rPr lang="en-US" sz="1100" b="1" dirty="0" smtClean="0">
                 <a:solidFill>
                   <a:schemeClr val="accent4"/>
                 </a:solidFill>
               </a:rPr>
-              <a:t>Bluemix</a:t>
-            </a:r>
-            <a:r>
-              <a:rPr lang="en-US" sz="1100" b="1" dirty="0" smtClean="0">
-                <a:solidFill>
-                  <a:schemeClr val="accent4"/>
-                </a:solidFill>
-              </a:rPr>
-              <a:t> Services</a:t>
+              <a:t>Bluemix Services</a:t>
             </a:r>
             <a:endParaRPr lang="en-US" sz="1100" b="1" dirty="0">
               <a:solidFill>
